--- a/materials/slides/ch15-wcms-api-sum-up.pptx
+++ b/materials/slides/ch15-wcms-api-sum-up.pptx
@@ -220,7 +220,7 @@
           <a:p>
             <a:fld id="{E923E828-953C-4D4A-9B10-11E7329F433D}" type="datetimeFigureOut">
               <a:rPr lang="zh-CN" altLang="en-US" smtClean="0"/>
-              <a:t>2018/4/27</a:t>
+              <a:t>2018/5/17</a:t>
             </a:fld>
             <a:endParaRPr lang="zh-CN" altLang="en-US"/>
           </a:p>
@@ -401,7 +401,7 @@
           <a:p>
             <a:fld id="{867C5346-22E5-4085-8130-851344A84DFF}" type="datetimeFigureOut">
               <a:rPr lang="zh-CN" altLang="en-US" smtClean="0"/>
-              <a:t>2018/4/27</a:t>
+              <a:t>2018/5/17</a:t>
             </a:fld>
             <a:endParaRPr lang="zh-CN" altLang="en-US"/>
           </a:p>
@@ -1247,7 +1247,7 @@
           <a:p>
             <a:fld id="{A5E21016-498F-4141-B0CA-D95A38CA7D62}" type="datetimeFigureOut">
               <a:rPr lang="zh-CN" altLang="en-US" smtClean="0"/>
-              <a:t>2018/4/27</a:t>
+              <a:t>2018/5/17</a:t>
             </a:fld>
             <a:endParaRPr lang="zh-CN" altLang="en-US"/>
           </a:p>
@@ -1477,7 +1477,7 @@
           <a:p>
             <a:fld id="{A5E21016-498F-4141-B0CA-D95A38CA7D62}" type="datetimeFigureOut">
               <a:rPr lang="zh-CN" altLang="en-US" smtClean="0"/>
-              <a:t>2018/4/27</a:t>
+              <a:t>2018/5/17</a:t>
             </a:fld>
             <a:endParaRPr lang="zh-CN" altLang="en-US"/>
           </a:p>
@@ -1712,7 +1712,7 @@
           <a:p>
             <a:fld id="{A5E21016-498F-4141-B0CA-D95A38CA7D62}" type="datetimeFigureOut">
               <a:rPr lang="zh-CN" altLang="en-US" smtClean="0"/>
-              <a:t>2018/4/27</a:t>
+              <a:t>2018/5/17</a:t>
             </a:fld>
             <a:endParaRPr lang="zh-CN" altLang="en-US"/>
           </a:p>
@@ -2274,7 +2274,7 @@
           <a:p>
             <a:fld id="{A5E21016-498F-4141-B0CA-D95A38CA7D62}" type="datetimeFigureOut">
               <a:rPr lang="zh-CN" altLang="en-US" smtClean="0"/>
-              <a:t>2018/4/27</a:t>
+              <a:t>2018/5/17</a:t>
             </a:fld>
             <a:endParaRPr lang="zh-CN" altLang="en-US"/>
           </a:p>
@@ -2571,7 +2571,7 @@
           <a:p>
             <a:fld id="{A5E21016-498F-4141-B0CA-D95A38CA7D62}" type="datetimeFigureOut">
               <a:rPr lang="zh-CN" altLang="en-US" smtClean="0"/>
-              <a:t>2018/4/27</a:t>
+              <a:t>2018/5/17</a:t>
             </a:fld>
             <a:endParaRPr lang="zh-CN" altLang="en-US"/>
           </a:p>
@@ -3010,7 +3010,7 @@
           <a:p>
             <a:fld id="{A5E21016-498F-4141-B0CA-D95A38CA7D62}" type="datetimeFigureOut">
               <a:rPr lang="zh-CN" altLang="en-US" smtClean="0"/>
-              <a:t>2018/4/27</a:t>
+              <a:t>2018/5/17</a:t>
             </a:fld>
             <a:endParaRPr lang="zh-CN" altLang="en-US"/>
           </a:p>
@@ -3183,7 +3183,7 @@
           <a:p>
             <a:fld id="{A5E21016-498F-4141-B0CA-D95A38CA7D62}" type="datetimeFigureOut">
               <a:rPr lang="zh-CN" altLang="en-US" smtClean="0"/>
-              <a:t>2018/4/27</a:t>
+              <a:t>2018/5/17</a:t>
             </a:fld>
             <a:endParaRPr lang="zh-CN" altLang="en-US"/>
           </a:p>
@@ -3320,7 +3320,7 @@
           <a:p>
             <a:fld id="{A5E21016-498F-4141-B0CA-D95A38CA7D62}" type="datetimeFigureOut">
               <a:rPr lang="zh-CN" altLang="en-US" smtClean="0"/>
-              <a:t>2018/4/27</a:t>
+              <a:t>2018/5/17</a:t>
             </a:fld>
             <a:endParaRPr lang="zh-CN" altLang="en-US"/>
           </a:p>
@@ -3658,7 +3658,7 @@
           <a:p>
             <a:fld id="{A5E21016-498F-4141-B0CA-D95A38CA7D62}" type="datetimeFigureOut">
               <a:rPr lang="zh-CN" altLang="en-US" smtClean="0"/>
-              <a:t>2018/4/27</a:t>
+              <a:t>2018/5/17</a:t>
             </a:fld>
             <a:endParaRPr lang="zh-CN" altLang="en-US"/>
           </a:p>
@@ -3973,7 +3973,7 @@
           <a:p>
             <a:fld id="{A5E21016-498F-4141-B0CA-D95A38CA7D62}" type="datetimeFigureOut">
               <a:rPr lang="zh-CN" altLang="en-US" smtClean="0"/>
-              <a:t>2018/4/27</a:t>
+              <a:t>2018/5/17</a:t>
             </a:fld>
             <a:endParaRPr lang="zh-CN" altLang="en-US"/>
           </a:p>
@@ -4805,7 +4805,7 @@
             </a:r>
             <a:r>
               <a:rPr lang="zh-CN" altLang="en-US" sz="2400"/>
-              <a:t>设计分为几个模块（标红还在开发中）：</a:t>
+              <a:t>设计分为几个模块：</a:t>
             </a:r>
             <a:endParaRPr lang="en-US" altLang="zh-CN" sz="2400"/>
           </a:p>
@@ -4917,7 +4917,7 @@
           <p:nvPr>
             <p:extLst>
               <p:ext uri="{D42A27DB-BD31-4B8C-83A1-F6EECF244321}">
-                <p14:modId xmlns:p14="http://schemas.microsoft.com/office/powerpoint/2010/main" val="3376679761"/>
+                <p14:modId xmlns:p14="http://schemas.microsoft.com/office/powerpoint/2010/main" val="2309690806"/>
               </p:ext>
             </p:extLst>
           </p:nvPr>
@@ -4995,21 +4995,42 @@
                         <a:buNone/>
                       </a:pPr>
                       <a:r>
-                        <a:rPr lang="zh-CN" altLang="en-US" sz="2000"/>
+                        <a:rPr lang="zh-CN" altLang="en-US" sz="2000">
+                          <a:solidFill>
+                            <a:schemeClr val="tx1">
+                              <a:lumMod val="95000"/>
+                              <a:lumOff val="5000"/>
+                            </a:schemeClr>
+                          </a:solidFill>
+                        </a:rPr>
                         <a:t>标签管理</a:t>
                       </a:r>
-                      <a:endParaRPr lang="en-US" altLang="zh-CN" sz="2000"/>
-                    </a:p>
-                  </a:txBody>
-                  <a:tcPr anchor="ctr"/>
-                </a:tc>
-                <a:tc>
-                  <a:txBody>
-                    <a:bodyPr/>
-                    <a:lstStyle/>
-                    <a:p>
-                      <a:r>
-                        <a:rPr lang="zh-CN" altLang="en-US"/>
+                      <a:endParaRPr lang="en-US" altLang="zh-CN" sz="2000">
+                        <a:solidFill>
+                          <a:schemeClr val="tx1">
+                            <a:lumMod val="95000"/>
+                            <a:lumOff val="5000"/>
+                          </a:schemeClr>
+                        </a:solidFill>
+                      </a:endParaRPr>
+                    </a:p>
+                  </a:txBody>
+                  <a:tcPr anchor="ctr"/>
+                </a:tc>
+                <a:tc>
+                  <a:txBody>
+                    <a:bodyPr/>
+                    <a:lstStyle/>
+                    <a:p>
+                      <a:r>
+                        <a:rPr lang="zh-CN" altLang="en-US">
+                          <a:solidFill>
+                            <a:schemeClr val="tx1">
+                              <a:lumMod val="95000"/>
+                              <a:lumOff val="5000"/>
+                            </a:schemeClr>
+                          </a:solidFill>
+                        </a:rPr>
                         <a:t>创建，删除，获取列表，获取信息，给内容打标签、去标签</a:t>
                       </a:r>
                     </a:p>
@@ -5032,10 +5053,24 @@
                         <a:buNone/>
                       </a:pPr>
                       <a:r>
-                        <a:rPr lang="zh-CN" altLang="en-US" sz="2000"/>
+                        <a:rPr lang="zh-CN" altLang="en-US" sz="2000">
+                          <a:solidFill>
+                            <a:schemeClr val="tx1">
+                              <a:lumMod val="95000"/>
+                              <a:lumOff val="5000"/>
+                            </a:schemeClr>
+                          </a:solidFill>
+                        </a:rPr>
                         <a:t>用户管理</a:t>
                       </a:r>
-                      <a:endParaRPr lang="en-US" altLang="zh-CN" sz="2000"/>
+                      <a:endParaRPr lang="en-US" altLang="zh-CN" sz="2000">
+                        <a:solidFill>
+                          <a:schemeClr val="tx1">
+                            <a:lumMod val="95000"/>
+                            <a:lumOff val="5000"/>
+                          </a:schemeClr>
+                        </a:solidFill>
+                      </a:endParaRPr>
                     </a:p>
                   </a:txBody>
                   <a:tcPr anchor="ctr"/>
@@ -5048,7 +5083,10 @@
                       <a:r>
                         <a:rPr lang="zh-CN" altLang="en-US">
                           <a:solidFill>
-                            <a:srgbClr val="C00000"/>
+                            <a:schemeClr val="tx1">
+                              <a:lumMod val="95000"/>
+                              <a:lumOff val="5000"/>
+                            </a:schemeClr>
                           </a:solidFill>
                         </a:rPr>
                         <a:t>编辑，删除</a:t>
@@ -5073,10 +5111,24 @@
                         <a:buNone/>
                       </a:pPr>
                       <a:r>
-                        <a:rPr lang="zh-CN" altLang="en-US" sz="2000"/>
+                        <a:rPr lang="zh-CN" altLang="en-US" sz="2000">
+                          <a:solidFill>
+                            <a:schemeClr val="tx1">
+                              <a:lumMod val="95000"/>
+                              <a:lumOff val="5000"/>
+                            </a:schemeClr>
+                          </a:solidFill>
+                        </a:rPr>
                         <a:t>管理员</a:t>
                       </a:r>
-                      <a:endParaRPr lang="en-US" altLang="zh-CN" sz="2000"/>
+                      <a:endParaRPr lang="en-US" altLang="zh-CN" sz="2000">
+                        <a:solidFill>
+                          <a:schemeClr val="tx1">
+                            <a:lumMod val="95000"/>
+                            <a:lumOff val="5000"/>
+                          </a:schemeClr>
+                        </a:solidFill>
+                      </a:endParaRPr>
                     </a:p>
                   </a:txBody>
                   <a:tcPr anchor="ctr"/>
@@ -5089,7 +5141,10 @@
                       <a:r>
                         <a:rPr lang="zh-CN" altLang="en-US">
                           <a:solidFill>
-                            <a:srgbClr val="C00000"/>
+                            <a:schemeClr val="tx1">
+                              <a:lumMod val="95000"/>
+                              <a:lumOff val="5000"/>
+                            </a:schemeClr>
                           </a:solidFill>
                         </a:rPr>
                         <a:t>分配管理员，删除</a:t>
@@ -5130,14 +5185,20 @@
                       <a:r>
                         <a:rPr lang="zh-CN" altLang="en-US" sz="2000">
                           <a:solidFill>
-                            <a:srgbClr val="C00000"/>
+                            <a:schemeClr val="tx1">
+                              <a:lumMod val="95000"/>
+                              <a:lumOff val="5000"/>
+                            </a:schemeClr>
                           </a:solidFill>
                         </a:rPr>
                         <a:t>素材管理</a:t>
                       </a:r>
                       <a:endParaRPr lang="en-US" altLang="zh-CN" sz="2000">
                         <a:solidFill>
-                          <a:srgbClr val="C00000"/>
+                          <a:schemeClr val="tx1">
+                            <a:lumMod val="95000"/>
+                            <a:lumOff val="5000"/>
+                          </a:schemeClr>
                         </a:solidFill>
                       </a:endParaRPr>
                     </a:p>
@@ -5152,7 +5213,10 @@
                       <a:r>
                         <a:rPr lang="zh-CN" altLang="en-US">
                           <a:solidFill>
-                            <a:srgbClr val="C00000"/>
+                            <a:schemeClr val="tx1">
+                              <a:lumMod val="95000"/>
+                              <a:lumOff val="5000"/>
+                            </a:schemeClr>
                           </a:solidFill>
                         </a:rPr>
                         <a:t>上传，删除，获取</a:t>
@@ -5186,7 +5250,7 @@
           <p:nvPr>
             <p:extLst>
               <p:ext uri="{D42A27DB-BD31-4B8C-83A1-F6EECF244321}">
-                <p14:modId xmlns:p14="http://schemas.microsoft.com/office/powerpoint/2010/main" val="2628635766"/>
+                <p14:modId xmlns:p14="http://schemas.microsoft.com/office/powerpoint/2010/main" val="2505901292"/>
               </p:ext>
             </p:extLst>
           </p:nvPr>
@@ -5225,29 +5289,35 @@
                     <a:p>
                       <a:pPr algn="ctr"/>
                       <a:r>
-                        <a:rPr lang="zh-CN" altLang="en-US"/>
-                        <a:t>用户</a:t>
-                      </a:r>
-                    </a:p>
-                  </a:txBody>
-                  <a:tcPr anchor="ctr"/>
-                </a:tc>
-                <a:tc>
-                  <a:txBody>
-                    <a:bodyPr/>
-                    <a:lstStyle/>
-                    <a:p>
-                      <a:r>
-                        <a:rPr lang="zh-CN" altLang="en-US"/>
-                        <a:t>登录，注册，</a:t>
-                      </a:r>
-                      <a:r>
                         <a:rPr lang="zh-CN" altLang="en-US">
                           <a:solidFill>
-                            <a:srgbClr val="C00000"/>
+                            <a:schemeClr val="tx1">
+                              <a:lumMod val="95000"/>
+                              <a:lumOff val="5000"/>
+                            </a:schemeClr>
                           </a:solidFill>
                         </a:rPr>
-                        <a:t>设置信息</a:t>
+                        <a:t>用户</a:t>
+                      </a:r>
+                    </a:p>
+                  </a:txBody>
+                  <a:tcPr anchor="ctr"/>
+                </a:tc>
+                <a:tc>
+                  <a:txBody>
+                    <a:bodyPr/>
+                    <a:lstStyle/>
+                    <a:p>
+                      <a:r>
+                        <a:rPr lang="zh-CN" altLang="en-US">
+                          <a:solidFill>
+                            <a:schemeClr val="tx1">
+                              <a:lumMod val="95000"/>
+                              <a:lumOff val="5000"/>
+                            </a:schemeClr>
+                          </a:solidFill>
+                        </a:rPr>
+                        <a:t>登录，注册，设置信息</a:t>
                       </a:r>
                     </a:p>
                   </a:txBody>
@@ -5269,7 +5339,10 @@
                       <a:r>
                         <a:rPr lang="zh-CN" altLang="en-US">
                           <a:solidFill>
-                            <a:srgbClr val="C00000"/>
+                            <a:schemeClr val="tx1">
+                              <a:lumMod val="95000"/>
+                              <a:lumOff val="5000"/>
+                            </a:schemeClr>
                           </a:solidFill>
                         </a:rPr>
                         <a:t>内容</a:t>
@@ -5286,7 +5359,10 @@
                       <a:r>
                         <a:rPr lang="zh-CN" altLang="en-US">
                           <a:solidFill>
-                            <a:srgbClr val="C00000"/>
+                            <a:schemeClr val="tx1">
+                              <a:lumMod val="95000"/>
+                              <a:lumOff val="5000"/>
+                            </a:schemeClr>
                           </a:solidFill>
                         </a:rPr>
                         <a:t>收藏，取消收藏</a:t>
